--- a/Week 3/Lecture - Week 3.pptx
+++ b/Week 3/Lecture - Week 3.pptx
@@ -6511,10 +6511,13 @@
           <a:lstStyle/>
           <a:p>
             <a:r>
-              <a:rPr lang="en-US" dirty="0" smtClean="0"/>
-              <a:t>Week 2</a:t>
-            </a:r>
-            <a:endParaRPr lang="en-US" dirty="0"/>
+              <a:rPr lang="en-US" smtClean="0"/>
+              <a:t>Week </a:t>
+            </a:r>
+            <a:r>
+              <a:rPr lang="en-US" smtClean="0"/>
+              <a:t>3</a:t>
+            </a:r>
           </a:p>
         </p:txBody>
       </p:sp>
@@ -6908,10 +6911,10 @@
           </a:p>
           <a:p>
             <a:r>
-              <a:rPr lang="en-US" smtClean="0"/>
+              <a:rPr lang="en-US" dirty="0" smtClean="0"/>
               <a:t>Used a ton</a:t>
             </a:r>
-            <a:endParaRPr lang="en-US"/>
+            <a:endParaRPr lang="en-US" dirty="0"/>
           </a:p>
         </p:txBody>
       </p:sp>
